--- a/Documentacao/bookCarddocumentacao.pptx
+++ b/Documentacao/bookCarddocumentacao.pptx
@@ -261,7 +261,7 @@
           <a:p>
             <a:fld id="{CAB82BFB-FFCB-4349-A99A-2971238AC97B}" type="datetimeFigureOut">
               <a:rPr lang="pt-BR" smtClean="0"/>
-              <a:t>09/05/2023</a:t>
+              <a:t>11/05/2023</a:t>
             </a:fld>
             <a:endParaRPr lang="pt-BR"/>
           </a:p>
@@ -431,7 +431,7 @@
           <a:p>
             <a:fld id="{CAB82BFB-FFCB-4349-A99A-2971238AC97B}" type="datetimeFigureOut">
               <a:rPr lang="pt-BR" smtClean="0"/>
-              <a:t>09/05/2023</a:t>
+              <a:t>11/05/2023</a:t>
             </a:fld>
             <a:endParaRPr lang="pt-BR"/>
           </a:p>
@@ -611,7 +611,7 @@
           <a:p>
             <a:fld id="{CAB82BFB-FFCB-4349-A99A-2971238AC97B}" type="datetimeFigureOut">
               <a:rPr lang="pt-BR" smtClean="0"/>
-              <a:t>09/05/2023</a:t>
+              <a:t>11/05/2023</a:t>
             </a:fld>
             <a:endParaRPr lang="pt-BR"/>
           </a:p>
@@ -781,7 +781,7 @@
           <a:p>
             <a:fld id="{CAB82BFB-FFCB-4349-A99A-2971238AC97B}" type="datetimeFigureOut">
               <a:rPr lang="pt-BR" smtClean="0"/>
-              <a:t>09/05/2023</a:t>
+              <a:t>11/05/2023</a:t>
             </a:fld>
             <a:endParaRPr lang="pt-BR"/>
           </a:p>
@@ -1027,7 +1027,7 @@
           <a:p>
             <a:fld id="{CAB82BFB-FFCB-4349-A99A-2971238AC97B}" type="datetimeFigureOut">
               <a:rPr lang="pt-BR" smtClean="0"/>
-              <a:t>09/05/2023</a:t>
+              <a:t>11/05/2023</a:t>
             </a:fld>
             <a:endParaRPr lang="pt-BR"/>
           </a:p>
@@ -1259,7 +1259,7 @@
           <a:p>
             <a:fld id="{CAB82BFB-FFCB-4349-A99A-2971238AC97B}" type="datetimeFigureOut">
               <a:rPr lang="pt-BR" smtClean="0"/>
-              <a:t>09/05/2023</a:t>
+              <a:t>11/05/2023</a:t>
             </a:fld>
             <a:endParaRPr lang="pt-BR"/>
           </a:p>
@@ -1626,7 +1626,7 @@
           <a:p>
             <a:fld id="{CAB82BFB-FFCB-4349-A99A-2971238AC97B}" type="datetimeFigureOut">
               <a:rPr lang="pt-BR" smtClean="0"/>
-              <a:t>09/05/2023</a:t>
+              <a:t>11/05/2023</a:t>
             </a:fld>
             <a:endParaRPr lang="pt-BR"/>
           </a:p>
@@ -1744,7 +1744,7 @@
           <a:p>
             <a:fld id="{CAB82BFB-FFCB-4349-A99A-2971238AC97B}" type="datetimeFigureOut">
               <a:rPr lang="pt-BR" smtClean="0"/>
-              <a:t>09/05/2023</a:t>
+              <a:t>11/05/2023</a:t>
             </a:fld>
             <a:endParaRPr lang="pt-BR"/>
           </a:p>
@@ -1839,7 +1839,7 @@
           <a:p>
             <a:fld id="{CAB82BFB-FFCB-4349-A99A-2971238AC97B}" type="datetimeFigureOut">
               <a:rPr lang="pt-BR" smtClean="0"/>
-              <a:t>09/05/2023</a:t>
+              <a:t>11/05/2023</a:t>
             </a:fld>
             <a:endParaRPr lang="pt-BR"/>
           </a:p>
@@ -2116,7 +2116,7 @@
           <a:p>
             <a:fld id="{CAB82BFB-FFCB-4349-A99A-2971238AC97B}" type="datetimeFigureOut">
               <a:rPr lang="pt-BR" smtClean="0"/>
-              <a:t>09/05/2023</a:t>
+              <a:t>11/05/2023</a:t>
             </a:fld>
             <a:endParaRPr lang="pt-BR"/>
           </a:p>
@@ -2369,7 +2369,7 @@
           <a:p>
             <a:fld id="{CAB82BFB-FFCB-4349-A99A-2971238AC97B}" type="datetimeFigureOut">
               <a:rPr lang="pt-BR" smtClean="0"/>
-              <a:t>09/05/2023</a:t>
+              <a:t>11/05/2023</a:t>
             </a:fld>
             <a:endParaRPr lang="pt-BR"/>
           </a:p>
@@ -2582,7 +2582,7 @@
           <a:p>
             <a:fld id="{CAB82BFB-FFCB-4349-A99A-2971238AC97B}" type="datetimeFigureOut">
               <a:rPr lang="pt-BR" smtClean="0"/>
-              <a:t>09/05/2023</a:t>
+              <a:t>11/05/2023</a:t>
             </a:fld>
             <a:endParaRPr lang="pt-BR"/>
           </a:p>
@@ -3025,7 +3025,11 @@
           <a:bodyPr/>
           <a:lstStyle/>
           <a:p>
-            <a:endParaRPr lang="pt-BR"/>
+            <a:r>
+              <a:rPr lang="pt-BR" dirty="0" smtClean="0"/>
+              <a:t>...</a:t>
+            </a:r>
+            <a:endParaRPr lang="pt-BR" dirty="0"/>
           </a:p>
         </p:txBody>
       </p:sp>
@@ -4566,7 +4570,6 @@
                         <a:rPr lang="pt-BR" dirty="0" smtClean="0"/>
                         <a:t>PADID</a:t>
                       </a:r>
-                      <a:endParaRPr lang="pt-BR" dirty="0" smtClean="0"/>
                     </a:p>
                   </a:txBody>
                   <a:tcPr/>
@@ -4647,7 +4650,6 @@
                         <a:rPr lang="pt-BR" dirty="0" smtClean="0"/>
                         <a:t>PADPALAVRA</a:t>
                       </a:r>
-                      <a:endParaRPr lang="pt-BR" dirty="0" smtClean="0"/>
                     </a:p>
                   </a:txBody>
                   <a:tcPr/>
@@ -4733,7 +4735,6 @@
                         <a:rPr lang="pt-BR" dirty="0" smtClean="0"/>
                         <a:t>PADPRIORIDADE</a:t>
                       </a:r>
-                      <a:endParaRPr lang="pt-BR" dirty="0" smtClean="0"/>
                     </a:p>
                   </a:txBody>
                   <a:tcPr/>
@@ -5043,7 +5044,6 @@
               <a:rPr lang="pt-BR" dirty="0" smtClean="0"/>
               <a:t>PALAVRADESTAQUE</a:t>
             </a:r>
-            <a:endParaRPr lang="pt-BR" dirty="0" smtClean="0"/>
           </a:p>
         </p:txBody>
       </p:sp>
@@ -12296,7 +12296,6 @@
                         <a:rPr lang="pt-BR" dirty="0" smtClean="0"/>
                         <a:t>CAPID</a:t>
                       </a:r>
-                      <a:endParaRPr lang="pt-BR" dirty="0" smtClean="0"/>
                     </a:p>
                   </a:txBody>
                   <a:tcPr/>
@@ -12373,11 +12372,7 @@
                       </a:r>
                       <a:r>
                         <a:rPr lang="pt-BR" baseline="0" dirty="0" smtClean="0"/>
-                        <a:t> com tabela </a:t>
-                      </a:r>
-                      <a:r>
-                        <a:rPr lang="pt-BR" baseline="0" dirty="0" smtClean="0"/>
-                        <a:t>CAPITULO(CAP)</a:t>
+                        <a:t> com tabela CAPITULO(CAP)</a:t>
                       </a:r>
                       <a:endParaRPr lang="pt-BR" dirty="0" smtClean="0"/>
                     </a:p>
